--- a/Planning Presentation - Group 07.pptx
+++ b/Planning Presentation - Group 07.pptx
@@ -112,6 +112,11 @@
       </a:defRPr>
     </a:lvl9pPr>
   </p:defaultTextStyle>
+  <p:extLst>
+    <p:ext uri="{EFAFB233-063F-42B5-8137-9DF3F51BA10A}">
+      <p15:sldGuideLst xmlns:p15="http://schemas.microsoft.com/office/powerpoint/2012/main"/>
+    </p:ext>
+  </p:extLst>
 </p:presentation>
 </file>
 
@@ -286,7 +291,7 @@
           <a:p>
             <a:fld id="{48A87A34-81AB-432B-8DAE-1953F412C126}" type="datetimeFigureOut">
               <a:rPr lang="en-US" dirty="0"/>
-              <a:t>11/9/17</a:t>
+              <a:t>11/17/17</a:t>
             </a:fld>
             <a:endParaRPr lang="en-US" dirty="0"/>
           </a:p>
@@ -593,7 +598,7 @@
           <a:p>
             <a:fld id="{48A87A34-81AB-432B-8DAE-1953F412C126}" type="datetimeFigureOut">
               <a:rPr lang="en-US" dirty="0"/>
-              <a:t>11/9/17</a:t>
+              <a:t>11/17/17</a:t>
             </a:fld>
             <a:endParaRPr lang="en-US" dirty="0"/>
           </a:p>
@@ -810,7 +815,7 @@
           <a:p>
             <a:fld id="{48A87A34-81AB-432B-8DAE-1953F412C126}" type="datetimeFigureOut">
               <a:rPr lang="en-US" dirty="0"/>
-              <a:t>11/9/17</a:t>
+              <a:t>11/17/17</a:t>
             </a:fld>
             <a:endParaRPr lang="en-US" dirty="0"/>
           </a:p>
@@ -1096,7 +1101,7 @@
           <a:p>
             <a:fld id="{48A87A34-81AB-432B-8DAE-1953F412C126}" type="datetimeFigureOut">
               <a:rPr lang="en-US" dirty="0"/>
-              <a:t>11/9/17</a:t>
+              <a:t>11/17/17</a:t>
             </a:fld>
             <a:endParaRPr lang="en-US" dirty="0"/>
           </a:p>
@@ -1545,7 +1550,7 @@
           <a:p>
             <a:fld id="{48A87A34-81AB-432B-8DAE-1953F412C126}" type="datetimeFigureOut">
               <a:rPr lang="en-US" dirty="0"/>
-              <a:t>11/9/17</a:t>
+              <a:t>11/17/17</a:t>
             </a:fld>
             <a:endParaRPr lang="en-US" dirty="0"/>
           </a:p>
@@ -2116,7 +2121,7 @@
           <a:p>
             <a:fld id="{48A87A34-81AB-432B-8DAE-1953F412C126}" type="datetimeFigureOut">
               <a:rPr lang="en-US" dirty="0"/>
-              <a:t>11/9/17</a:t>
+              <a:t>11/17/17</a:t>
             </a:fld>
             <a:endParaRPr lang="en-US" dirty="0"/>
           </a:p>
@@ -2963,7 +2968,7 @@
           <a:p>
             <a:fld id="{48A87A34-81AB-432B-8DAE-1953F412C126}" type="datetimeFigureOut">
               <a:rPr lang="en-US" dirty="0"/>
-              <a:t>11/9/17</a:t>
+              <a:t>11/17/17</a:t>
             </a:fld>
             <a:endParaRPr lang="en-US" dirty="0"/>
           </a:p>
@@ -3163,7 +3168,7 @@
           <a:p>
             <a:fld id="{48A87A34-81AB-432B-8DAE-1953F412C126}" type="datetimeFigureOut">
               <a:rPr lang="en-US" dirty="0"/>
-              <a:t>11/9/17</a:t>
+              <a:t>11/17/17</a:t>
             </a:fld>
             <a:endParaRPr lang="en-US" dirty="0"/>
           </a:p>
@@ -3372,7 +3377,7 @@
           <a:p>
             <a:fld id="{48A87A34-81AB-432B-8DAE-1953F412C126}" type="datetimeFigureOut">
               <a:rPr lang="en-US" dirty="0"/>
-              <a:t>11/9/17</a:t>
+              <a:t>11/17/17</a:t>
             </a:fld>
             <a:endParaRPr lang="en-US" dirty="0"/>
           </a:p>
@@ -3572,7 +3577,7 @@
           <a:p>
             <a:fld id="{48A87A34-81AB-432B-8DAE-1953F412C126}" type="datetimeFigureOut">
               <a:rPr lang="en-US" dirty="0"/>
-              <a:t>11/9/17</a:t>
+              <a:t>11/17/17</a:t>
             </a:fld>
             <a:endParaRPr lang="en-US" dirty="0"/>
           </a:p>
@@ -3847,7 +3852,7 @@
           <a:p>
             <a:fld id="{48A87A34-81AB-432B-8DAE-1953F412C126}" type="datetimeFigureOut">
               <a:rPr lang="en-US" dirty="0"/>
-              <a:t>11/9/17</a:t>
+              <a:t>11/17/17</a:t>
             </a:fld>
             <a:endParaRPr lang="en-US" dirty="0"/>
           </a:p>
@@ -4109,7 +4114,7 @@
           <a:p>
             <a:fld id="{48A87A34-81AB-432B-8DAE-1953F412C126}" type="datetimeFigureOut">
               <a:rPr lang="en-US" dirty="0"/>
-              <a:t>11/9/17</a:t>
+              <a:t>11/17/17</a:t>
             </a:fld>
             <a:endParaRPr lang="en-US" dirty="0"/>
           </a:p>
@@ -4519,7 +4524,7 @@
           <a:p>
             <a:fld id="{48A87A34-81AB-432B-8DAE-1953F412C126}" type="datetimeFigureOut">
               <a:rPr lang="en-US" dirty="0"/>
-              <a:t>11/9/17</a:t>
+              <a:t>11/17/17</a:t>
             </a:fld>
             <a:endParaRPr lang="en-US" dirty="0"/>
           </a:p>
@@ -4662,7 +4667,7 @@
           <a:p>
             <a:fld id="{48A87A34-81AB-432B-8DAE-1953F412C126}" type="datetimeFigureOut">
               <a:rPr lang="en-US" dirty="0"/>
-              <a:t>11/9/17</a:t>
+              <a:t>11/17/17</a:t>
             </a:fld>
             <a:endParaRPr lang="en-US" dirty="0"/>
           </a:p>
@@ -4782,7 +4787,7 @@
           <a:p>
             <a:fld id="{48A87A34-81AB-432B-8DAE-1953F412C126}" type="datetimeFigureOut">
               <a:rPr lang="en-US" dirty="0"/>
-              <a:t>11/9/17</a:t>
+              <a:t>11/17/17</a:t>
             </a:fld>
             <a:endParaRPr lang="en-US" dirty="0"/>
           </a:p>
@@ -5056,7 +5061,7 @@
           <a:p>
             <a:fld id="{48A87A34-81AB-432B-8DAE-1953F412C126}" type="datetimeFigureOut">
               <a:rPr lang="en-US" dirty="0"/>
-              <a:t>11/9/17</a:t>
+              <a:t>11/17/17</a:t>
             </a:fld>
             <a:endParaRPr lang="en-US" dirty="0"/>
           </a:p>
@@ -5363,7 +5368,7 @@
           <a:p>
             <a:fld id="{48A87A34-81AB-432B-8DAE-1953F412C126}" type="datetimeFigureOut">
               <a:rPr lang="en-US" dirty="0"/>
-              <a:t>11/9/17</a:t>
+              <a:t>11/17/17</a:t>
             </a:fld>
             <a:endParaRPr lang="en-US" dirty="0"/>
           </a:p>
@@ -5612,7 +5617,7 @@
             <a:fld id="{48A87A34-81AB-432B-8DAE-1953F412C126}" type="datetimeFigureOut">
               <a:rPr lang="en-US" dirty="0"/>
               <a:pPr/>
-              <a:t>11/9/17</a:t>
+              <a:t>11/17/17</a:t>
             </a:fld>
             <a:endParaRPr lang="en-US" dirty="0"/>
           </a:p>
@@ -6243,7 +6248,7 @@
         <p:spPr>
           <a:xfrm>
             <a:off x="1658170" y="2600325"/>
-            <a:ext cx="7900167" cy="2246769"/>
+            <a:ext cx="7900167" cy="2554545"/>
           </a:xfrm>
           <a:prstGeom prst="rect">
             <a:avLst/>
@@ -6306,13 +6311,46 @@
             </a:r>
             <a:r>
               <a:rPr lang="en-US" sz="2000" dirty="0" smtClean="0"/>
-              <a:t>performance.</a:t>
-            </a:r>
-          </a:p>
-          <a:p>
+              <a:t>performance</a:t>
+            </a:r>
+            <a:r>
+              <a:rPr lang="zh-CN" altLang="en-US" sz="2000" dirty="0" smtClean="0"/>
+              <a:t> </a:t>
+            </a:r>
+            <a:r>
+              <a:rPr lang="en-US" altLang="zh-CN" sz="2000" dirty="0" smtClean="0"/>
+              <a:t>through</a:t>
+            </a:r>
+            <a:r>
+              <a:rPr lang="zh-CN" altLang="en-US" sz="2000" dirty="0" smtClean="0"/>
+              <a:t> </a:t>
+            </a:r>
+            <a:r>
+              <a:rPr lang="en-US" altLang="zh-CN" sz="2000" dirty="0" smtClean="0"/>
+              <a:t>firs</a:t>
+            </a:r>
+            <a:r>
+              <a:rPr lang="en-US" altLang="zh-CN" sz="2000" dirty="0" smtClean="0"/>
+              <a:t>t 15 match weeks for each season</a:t>
+            </a:r>
             <a:r>
               <a:rPr lang="en-US" sz="2000" dirty="0" smtClean="0"/>
-              <a:t>Finally, we would give a prediction of final ranking(top 5) and the best player in specific season based on data above.</a:t>
+              <a:t>.</a:t>
+            </a:r>
+            <a:endParaRPr lang="en-US" sz="2000" dirty="0" smtClean="0"/>
+          </a:p>
+          <a:p>
+            <a:r>
+              <a:rPr lang="en-US" sz="2000" dirty="0" smtClean="0"/>
+              <a:t>Finally, we would give a prediction of final ranking(top </a:t>
+            </a:r>
+            <a:r>
+              <a:rPr lang="en-US" sz="2000" dirty="0" smtClean="0"/>
+              <a:t>6) </a:t>
+            </a:r>
+            <a:r>
+              <a:rPr lang="en-US" sz="2000" dirty="0" smtClean="0"/>
+              <a:t>and the best player in specific season based on data above.</a:t>
             </a:r>
             <a:endParaRPr lang="en-US" sz="2000" dirty="0"/>
           </a:p>
@@ -6629,7 +6667,6 @@
               <a:rPr lang="en-US" sz="4800" dirty="0"/>
               <a:t>Methodology</a:t>
             </a:r>
-            <a:endParaRPr lang="en-US" sz="4800" dirty="0"/>
           </a:p>
         </p:txBody>
       </p:sp>
@@ -6837,7 +6874,7 @@
         <p:spPr>
           <a:xfrm>
             <a:off x="872359" y="2648607"/>
-            <a:ext cx="9963807" cy="1200329"/>
+            <a:ext cx="9963807" cy="1477328"/>
           </a:xfrm>
           <a:prstGeom prst="rect">
             <a:avLst/>
@@ -6856,31 +6893,15 @@
             </a:pPr>
             <a:r>
               <a:rPr lang="en-US" altLang="zh-CN" dirty="0" smtClean="0"/>
-              <a:t>Records</a:t>
+              <a:t>Premier</a:t>
             </a:r>
             <a:r>
               <a:rPr lang="zh-CN" altLang="en-US" dirty="0" smtClean="0"/>
               <a:t> </a:t>
             </a:r>
             <a:r>
-              <a:rPr lang="en-US" dirty="0"/>
-              <a:t>25,000 </a:t>
-            </a:r>
-            <a:r>
-              <a:rPr lang="en-US" dirty="0" smtClean="0"/>
-              <a:t>matches</a:t>
-            </a:r>
-            <a:r>
-              <a:rPr lang="en-US" dirty="0"/>
-              <a:t> +10,000 players</a:t>
-            </a:r>
-            <a:r>
-              <a:rPr lang="zh-CN" altLang="en-US" dirty="0"/>
-              <a:t> </a:t>
-            </a:r>
-            <a:r>
               <a:rPr lang="en-US" altLang="zh-CN" dirty="0" smtClean="0"/>
-              <a:t>data</a:t>
+              <a:t>League</a:t>
             </a:r>
             <a:r>
               <a:rPr lang="zh-CN" altLang="en-US" dirty="0" smtClean="0"/>
@@ -6888,21 +6909,13 @@
             </a:r>
             <a:r>
               <a:rPr lang="en-US" altLang="zh-CN" dirty="0" smtClean="0"/>
-              <a:t>history</a:t>
+              <a:t>from</a:t>
             </a:r>
             <a:r>
               <a:rPr lang="zh-CN" altLang="en-US" dirty="0" smtClean="0"/>
               <a:t> </a:t>
             </a:r>
             <a:r>
-              <a:rPr lang="en-US" altLang="zh-CN" dirty="0" smtClean="0"/>
-              <a:t>from</a:t>
-            </a:r>
-            <a:r>
-              <a:rPr lang="zh-CN" altLang="en-US" dirty="0" smtClean="0"/>
-              <a:t> </a:t>
-            </a:r>
-            <a:r>
               <a:rPr lang="en-US" dirty="0"/>
               <a:t>Seasons 2008 to </a:t>
             </a:r>
@@ -6910,12 +6923,64 @@
               <a:rPr lang="en-US" dirty="0" smtClean="0"/>
               <a:t>2016</a:t>
             </a:r>
+            <a:endParaRPr lang="zh-CN" altLang="en-US" dirty="0" smtClean="0"/>
           </a:p>
           <a:p>
             <a:pPr marL="285750" indent="-285750" fontAlgn="base">
               <a:buFont typeface="Arial" charset="0"/>
               <a:buChar char="•"/>
             </a:pPr>
+            <a:r>
+              <a:rPr lang="en-US" altLang="zh-CN" dirty="0" smtClean="0"/>
+              <a:t>Records</a:t>
+            </a:r>
+            <a:r>
+              <a:rPr lang="zh-CN" altLang="en-US" dirty="0" smtClean="0"/>
+              <a:t> </a:t>
+            </a:r>
+            <a:r>
+              <a:rPr lang="en-US" dirty="0"/>
+              <a:t>25,000 </a:t>
+            </a:r>
+            <a:r>
+              <a:rPr lang="en-US" dirty="0" smtClean="0"/>
+              <a:t>matches</a:t>
+            </a:r>
+            <a:r>
+              <a:rPr lang="en-US" dirty="0"/>
+              <a:t> </a:t>
+            </a:r>
+            <a:endParaRPr lang="zh-CN" altLang="en-US" dirty="0" smtClean="0"/>
+          </a:p>
+          <a:p>
+            <a:pPr marL="285750" indent="-285750" fontAlgn="base">
+              <a:buFont typeface="Arial" charset="0"/>
+              <a:buChar char="•"/>
+            </a:pPr>
+            <a:r>
+              <a:rPr lang="en-US" dirty="0" smtClean="0"/>
+              <a:t>10,000</a:t>
+            </a:r>
+            <a:r>
+              <a:rPr lang="en-US" altLang="zh-CN" dirty="0" smtClean="0"/>
+              <a:t>+</a:t>
+            </a:r>
+            <a:r>
+              <a:rPr lang="en-US" dirty="0" smtClean="0"/>
+              <a:t> </a:t>
+            </a:r>
+            <a:r>
+              <a:rPr lang="en-US" dirty="0"/>
+              <a:t>players</a:t>
+            </a:r>
+            <a:r>
+              <a:rPr lang="zh-CN" altLang="en-US" dirty="0"/>
+              <a:t> </a:t>
+            </a:r>
+            <a:r>
+              <a:rPr lang="en-US" altLang="zh-CN" dirty="0" smtClean="0"/>
+              <a:t>data</a:t>
+            </a:r>
             <a:endParaRPr lang="en-US" dirty="0"/>
           </a:p>
           <a:p>
@@ -7111,7 +7176,6 @@
               <a:rPr lang="en-US" dirty="0"/>
               <a:t>and Aggregating</a:t>
             </a:r>
-            <a:endParaRPr lang="en-US" dirty="0"/>
           </a:p>
         </p:txBody>
       </p:sp>
@@ -7235,7 +7299,6 @@
               <a:rPr lang="en-US" dirty="0"/>
               <a:t>Fitting/Training the data to the model </a:t>
             </a:r>
-            <a:endParaRPr lang="en-US" dirty="0"/>
           </a:p>
         </p:txBody>
       </p:sp>
@@ -8050,15 +8113,7 @@
             </a:pPr>
             <a:r>
               <a:rPr lang="en-US" altLang="zh-CN" sz="2000" dirty="0" smtClean="0"/>
-              <a:t>The accuracy of the top 5 </a:t>
-            </a:r>
-            <a:r>
-              <a:rPr lang="en-US" altLang="zh-CN" sz="2000" dirty="0" err="1" smtClean="0"/>
-              <a:t>teamshould</a:t>
-            </a:r>
-            <a:r>
-              <a:rPr lang="en-US" altLang="zh-CN" sz="2000" dirty="0" smtClean="0"/>
-              <a:t> be more than 50%</a:t>
+              <a:t>The accuracy of the top 5 team should be more than 50%</a:t>
             </a:r>
           </a:p>
           <a:p>
